--- a/Giray Yıldırım - Slayt (1).pptx
+++ b/Giray Yıldırım - Slayt (1).pptx
@@ -8267,10 +8267,9 @@
         <a:lstStyle/>
         <a:p>
           <a:r>
-            <a:rPr lang="tr-TR"/>
-            <a:t>Makine öğrenmesi için en iyi 5 özellik seçildi.</a:t>
+            <a:rPr lang="tr-TR" dirty="0"/>
+            <a:t>Makine öğrenmesi için en iyi 5 özellik seçilmiştir.</a:t>
           </a:r>
-          <a:endParaRPr lang="tr-TR" dirty="0"/>
         </a:p>
       </dgm:t>
     </dgm:pt>
@@ -14347,10 +14346,9 @@
             <a:buNone/>
           </a:pPr>
           <a:r>
-            <a:rPr lang="tr-TR" sz="2700" kern="1200"/>
-            <a:t>Makine öğrenmesi için en iyi 5 özellik seçildi.</a:t>
+            <a:rPr lang="tr-TR" sz="2700" kern="1200" dirty="0"/>
+            <a:t>Makine öğrenmesi için en iyi 5 özellik seçilmiştir.</a:t>
           </a:r>
-          <a:endParaRPr lang="tr-TR" sz="2700" kern="1200" dirty="0"/>
         </a:p>
       </dsp:txBody>
       <dsp:txXfrm>
@@ -34145,7 +34143,7 @@
               <a:rPr lang="tr-TR" b="1" dirty="0" err="1">
                 <a:cs typeface="Times New Roman" panose="02020603050405020304" pitchFamily="18" charset="0"/>
               </a:rPr>
-              <a:t>Hibrit</a:t>
+              <a:t>Hybrid</a:t>
             </a:r>
             <a:r>
               <a:rPr lang="tr-TR" b="1" dirty="0">
@@ -34301,7 +34299,7 @@
           <p:nvPr>
             <p:extLst>
               <p:ext uri="{D42A27DB-BD31-4B8C-83A1-F6EECF244321}">
-                <p14:modId xmlns:p14="http://schemas.microsoft.com/office/powerpoint/2010/main" val="1423925461"/>
+                <p14:modId xmlns:p14="http://schemas.microsoft.com/office/powerpoint/2010/main" val="3570089127"/>
               </p:ext>
             </p:extLst>
           </p:nvPr>
@@ -35181,8 +35179,8 @@
         </p:blipFill>
         <p:spPr>
           <a:xfrm>
-            <a:off x="271041" y="2234720"/>
-            <a:ext cx="5443598" cy="704466"/>
+            <a:off x="318968" y="2234720"/>
+            <a:ext cx="5395670" cy="704466"/>
           </a:xfrm>
           <a:prstGeom prst="rect">
             <a:avLst/>
@@ -35929,6 +35927,13 @@
           <a:solidFill>
             <a:schemeClr val="accent5"/>
           </a:solidFill>
+          <a:effectLst>
+            <a:outerShdw blurRad="292100" dist="139700" dir="2700000" algn="tl" rotWithShape="0">
+              <a:prstClr val="black">
+                <a:alpha val="65000"/>
+              </a:prstClr>
+            </a:outerShdw>
+          </a:effectLst>
         </p:spPr>
         <p:style>
           <a:lnRef idx="2">
@@ -36025,6 +36030,13 @@
           <a:solidFill>
             <a:schemeClr val="accent2"/>
           </a:solidFill>
+          <a:effectLst>
+            <a:outerShdw blurRad="292100" dist="139700" dir="2700000" algn="tl" rotWithShape="0">
+              <a:prstClr val="black">
+                <a:alpha val="65000"/>
+              </a:prstClr>
+            </a:outerShdw>
+          </a:effectLst>
         </p:spPr>
         <p:style>
           <a:lnRef idx="2">
@@ -36065,13 +36077,8 @@
             </a:r>
             <a:r>
               <a:rPr lang="tr-TR" dirty="0"/>
-              <a:t> ile eğitilen modeller maliyet etkin öğrenme ile eğitilen modellere göre daha iyi </a:t>
+              <a:t> ile eğitilen modeller maliyet etkin öğrenme ile eğitilen modellere göre daha iyi sonuçları göstermektedir.</a:t>
             </a:r>
-            <a:r>
-              <a:rPr lang="tr-TR"/>
-              <a:t>sonuçları göstermektedir.</a:t>
-            </a:r>
-            <a:endParaRPr lang="tr-TR" dirty="0"/>
           </a:p>
         </p:txBody>
       </p:sp>
@@ -36098,6 +36105,13 @@
           <a:solidFill>
             <a:srgbClr val="002060"/>
           </a:solidFill>
+          <a:effectLst>
+            <a:outerShdw blurRad="292100" dist="139700" dir="2700000" algn="tl" rotWithShape="0">
+              <a:prstClr val="black">
+                <a:alpha val="65000"/>
+              </a:prstClr>
+            </a:outerShdw>
+          </a:effectLst>
         </p:spPr>
         <p:style>
           <a:lnRef idx="2">
@@ -36158,6 +36172,13 @@
           <a:solidFill>
             <a:srgbClr val="CE0808"/>
           </a:solidFill>
+          <a:effectLst>
+            <a:outerShdw blurRad="292100" dist="139700" dir="2700000" algn="tl" rotWithShape="0">
+              <a:prstClr val="black">
+                <a:alpha val="65000"/>
+              </a:prstClr>
+            </a:outerShdw>
+          </a:effectLst>
         </p:spPr>
         <p:style>
           <a:lnRef idx="2">
@@ -36256,6 +36277,13 @@
               <a:lumMod val="75000"/>
             </a:schemeClr>
           </a:solidFill>
+          <a:effectLst>
+            <a:outerShdw blurRad="292100" dist="139700" dir="2700000" algn="tl" rotWithShape="0">
+              <a:prstClr val="black">
+                <a:alpha val="65000"/>
+              </a:prstClr>
+            </a:outerShdw>
+          </a:effectLst>
         </p:spPr>
         <p:style>
           <a:lnRef idx="2">
@@ -36308,6 +36336,13 @@
           <a:solidFill>
             <a:srgbClr val="92D050"/>
           </a:solidFill>
+          <a:effectLst>
+            <a:outerShdw blurRad="292100" dist="139700" dir="2700000" algn="tl" rotWithShape="0">
+              <a:prstClr val="black">
+                <a:alpha val="65000"/>
+              </a:prstClr>
+            </a:outerShdw>
+          </a:effectLst>
         </p:spPr>
         <p:style>
           <a:lnRef idx="2">
